--- a/ilnursh.pptx
+++ b/ilnursh.pptx
@@ -321,7 +321,7 @@
           <a:p>
             <a:fld id="{70C218FB-290C-4A3E-B540-445370424DAE}" type="datetimeFigureOut">
               <a:rPr lang="ru-RU" smtClean="0"/>
-              <a:t>12.12.2021</a:t>
+              <a:t>16.12.2021</a:t>
             </a:fld>
             <a:endParaRPr lang="ru-RU"/>
           </a:p>
@@ -659,7 +659,7 @@
           <a:p>
             <a:fld id="{70C218FB-290C-4A3E-B540-445370424DAE}" type="datetimeFigureOut">
               <a:rPr lang="ru-RU" smtClean="0"/>
-              <a:t>12.12.2021</a:t>
+              <a:t>16.12.2021</a:t>
             </a:fld>
             <a:endParaRPr lang="ru-RU"/>
           </a:p>
@@ -1060,7 +1060,7 @@
           <a:p>
             <a:fld id="{70C218FB-290C-4A3E-B540-445370424DAE}" type="datetimeFigureOut">
               <a:rPr lang="ru-RU" smtClean="0"/>
-              <a:t>12.12.2021</a:t>
+              <a:t>16.12.2021</a:t>
             </a:fld>
             <a:endParaRPr lang="ru-RU"/>
           </a:p>
@@ -1396,7 +1396,7 @@
           <a:p>
             <a:fld id="{70C218FB-290C-4A3E-B540-445370424DAE}" type="datetimeFigureOut">
               <a:rPr lang="ru-RU" smtClean="0"/>
-              <a:t>12.12.2021</a:t>
+              <a:t>16.12.2021</a:t>
             </a:fld>
             <a:endParaRPr lang="ru-RU"/>
           </a:p>
@@ -1716,7 +1716,7 @@
           <a:p>
             <a:fld id="{70C218FB-290C-4A3E-B540-445370424DAE}" type="datetimeFigureOut">
               <a:rPr lang="ru-RU" smtClean="0"/>
-              <a:t>12.12.2021</a:t>
+              <a:t>16.12.2021</a:t>
             </a:fld>
             <a:endParaRPr lang="ru-RU"/>
           </a:p>
@@ -2112,7 +2112,7 @@
           <a:p>
             <a:fld id="{70C218FB-290C-4A3E-B540-445370424DAE}" type="datetimeFigureOut">
               <a:rPr lang="ru-RU" smtClean="0"/>
-              <a:t>12.12.2021</a:t>
+              <a:t>16.12.2021</a:t>
             </a:fld>
             <a:endParaRPr lang="ru-RU"/>
           </a:p>
@@ -2369,7 +2369,7 @@
           <a:p>
             <a:fld id="{70C218FB-290C-4A3E-B540-445370424DAE}" type="datetimeFigureOut">
               <a:rPr lang="ru-RU" smtClean="0"/>
-              <a:t>12.12.2021</a:t>
+              <a:t>16.12.2021</a:t>
             </a:fld>
             <a:endParaRPr lang="ru-RU"/>
           </a:p>
@@ -2631,7 +2631,7 @@
           <a:p>
             <a:fld id="{70C218FB-290C-4A3E-B540-445370424DAE}" type="datetimeFigureOut">
               <a:rPr lang="ru-RU" smtClean="0"/>
-              <a:t>12.12.2021</a:t>
+              <a:t>16.12.2021</a:t>
             </a:fld>
             <a:endParaRPr lang="ru-RU"/>
           </a:p>
@@ -2893,7 +2893,7 @@
           <a:p>
             <a:fld id="{70C218FB-290C-4A3E-B540-445370424DAE}" type="datetimeFigureOut">
               <a:rPr lang="ru-RU" smtClean="0"/>
-              <a:t>12.12.2021</a:t>
+              <a:t>16.12.2021</a:t>
             </a:fld>
             <a:endParaRPr lang="ru-RU"/>
           </a:p>
@@ -3222,7 +3222,7 @@
           <a:p>
             <a:fld id="{70C218FB-290C-4A3E-B540-445370424DAE}" type="datetimeFigureOut">
               <a:rPr lang="ru-RU" smtClean="0"/>
-              <a:t>12.12.2021</a:t>
+              <a:t>16.12.2021</a:t>
             </a:fld>
             <a:endParaRPr lang="ru-RU"/>
           </a:p>
@@ -3545,7 +3545,7 @@
           <a:p>
             <a:fld id="{70C218FB-290C-4A3E-B540-445370424DAE}" type="datetimeFigureOut">
               <a:rPr lang="ru-RU" smtClean="0"/>
-              <a:t>12.12.2021</a:t>
+              <a:t>16.12.2021</a:t>
             </a:fld>
             <a:endParaRPr lang="ru-RU"/>
           </a:p>
@@ -4002,7 +4002,7 @@
           <a:p>
             <a:fld id="{70C218FB-290C-4A3E-B540-445370424DAE}" type="datetimeFigureOut">
               <a:rPr lang="ru-RU" smtClean="0"/>
-              <a:t>12.12.2021</a:t>
+              <a:t>16.12.2021</a:t>
             </a:fld>
             <a:endParaRPr lang="ru-RU"/>
           </a:p>
@@ -4207,7 +4207,7 @@
           <a:p>
             <a:fld id="{70C218FB-290C-4A3E-B540-445370424DAE}" type="datetimeFigureOut">
               <a:rPr lang="ru-RU" smtClean="0"/>
-              <a:t>12.12.2021</a:t>
+              <a:t>16.12.2021</a:t>
             </a:fld>
             <a:endParaRPr lang="ru-RU"/>
           </a:p>
@@ -4384,7 +4384,7 @@
           <a:p>
             <a:fld id="{70C218FB-290C-4A3E-B540-445370424DAE}" type="datetimeFigureOut">
               <a:rPr lang="ru-RU" smtClean="0"/>
-              <a:t>12.12.2021</a:t>
+              <a:t>16.12.2021</a:t>
             </a:fld>
             <a:endParaRPr lang="ru-RU"/>
           </a:p>
@@ -4717,7 +4717,7 @@
           <a:p>
             <a:fld id="{70C218FB-290C-4A3E-B540-445370424DAE}" type="datetimeFigureOut">
               <a:rPr lang="ru-RU" smtClean="0"/>
-              <a:t>12.12.2021</a:t>
+              <a:t>16.12.2021</a:t>
             </a:fld>
             <a:endParaRPr lang="ru-RU"/>
           </a:p>
@@ -5062,7 +5062,7 @@
           <a:p>
             <a:fld id="{70C218FB-290C-4A3E-B540-445370424DAE}" type="datetimeFigureOut">
               <a:rPr lang="ru-RU" smtClean="0"/>
-              <a:t>12.12.2021</a:t>
+              <a:t>16.12.2021</a:t>
             </a:fld>
             <a:endParaRPr lang="ru-RU"/>
           </a:p>
@@ -7179,7 +7179,7 @@
           <a:p>
             <a:fld id="{70C218FB-290C-4A3E-B540-445370424DAE}" type="datetimeFigureOut">
               <a:rPr lang="ru-RU" smtClean="0"/>
-              <a:t>12.12.2021</a:t>
+              <a:t>16.12.2021</a:t>
             </a:fld>
             <a:endParaRPr lang="ru-RU"/>
           </a:p>
@@ -9771,26 +9771,14 @@
             </a:r>
             <a:r>
               <a:rPr lang="en-US" dirty="0" smtClean="0"/>
-              <a:t>-fpm and </a:t>
-            </a:r>
-            <a:r>
-              <a:rPr lang="en-US" dirty="0" smtClean="0"/>
-              <a:t>python</a:t>
+              <a:t>-fpm and python</a:t>
             </a:r>
             <a:endParaRPr lang="ru-RU" dirty="0" smtClean="0"/>
           </a:p>
           <a:p>
             <a:r>
               <a:rPr lang="en-US" dirty="0" smtClean="0"/>
-              <a:t> </a:t>
-            </a:r>
-            <a:r>
-              <a:rPr lang="en-US" dirty="0" smtClean="0"/>
-              <a:t>modules. </a:t>
-            </a:r>
-            <a:r>
-              <a:rPr lang="en-US" dirty="0" smtClean="0"/>
-              <a:t>For </a:t>
+              <a:t> modules. For </a:t>
             </a:r>
             <a:r>
               <a:rPr lang="en-US" dirty="0"/>
@@ -16609,7 +16597,7 @@
         <p:spPr>
           <a:xfrm>
             <a:off x="8052177" y="5767191"/>
-            <a:ext cx="3503844" cy="923330"/>
+            <a:ext cx="184731" cy="369332"/>
           </a:xfrm>
           <a:prstGeom prst="rect">
             <a:avLst/>
@@ -16622,28 +16610,6 @@
           </a:bodyPr>
           <a:lstStyle/>
           <a:p>
-            <a:r>
-              <a:rPr lang="en-US" b="1" dirty="0" smtClean="0"/>
-              <a:t>On next 3 slides you will see many </a:t>
-            </a:r>
-          </a:p>
-          <a:p>
-            <a:r>
-              <a:rPr lang="en-US" b="1" dirty="0" smtClean="0"/>
-              <a:t>Non interesting text with  rules. </a:t>
-            </a:r>
-          </a:p>
-          <a:p>
-            <a:r>
-              <a:rPr lang="en-US" b="1" dirty="0" smtClean="0"/>
-              <a:t>Just skip it  </a:t>
-            </a:r>
-            <a:r>
-              <a:rPr lang="en-US" b="1" dirty="0" smtClean="0">
-                <a:sym typeface="Wingdings" panose="05000000000000000000" pitchFamily="2" charset="2"/>
-              </a:rPr>
-              <a:t></a:t>
-            </a:r>
             <a:endParaRPr lang="ru-RU" b="1" dirty="0"/>
           </a:p>
         </p:txBody>
@@ -17793,7 +17759,7 @@
         <p:spPr>
           <a:xfrm>
             <a:off x="791569" y="532263"/>
-            <a:ext cx="10930556" cy="5909310"/>
+            <a:ext cx="10714793" cy="6186309"/>
           </a:xfrm>
           <a:prstGeom prst="rect">
             <a:avLst/>
@@ -17816,7 +17782,18 @@
             </a:r>
             <a:r>
               <a:rPr lang="en-US" dirty="0" smtClean="0"/>
-              <a:t> rules  and count of packet drop we will simulate forward traffic from </a:t>
+              <a:t> rules  and count of packet drop we will simulate </a:t>
+            </a:r>
+            <a:endParaRPr lang="ru-RU" dirty="0" smtClean="0"/>
+          </a:p>
+          <a:p>
+            <a:r>
+              <a:rPr lang="en-US" dirty="0" smtClean="0"/>
+              <a:t>forward </a:t>
+            </a:r>
+            <a:r>
+              <a:rPr lang="en-US" dirty="0" smtClean="0"/>
+              <a:t>traffic from </a:t>
             </a:r>
           </a:p>
           <a:p>

--- a/ilnursh.pptx
+++ b/ilnursh.pptx
@@ -321,7 +321,7 @@
           <a:p>
             <a:fld id="{70C218FB-290C-4A3E-B540-445370424DAE}" type="datetimeFigureOut">
               <a:rPr lang="ru-RU" smtClean="0"/>
-              <a:t>16.12.2021</a:t>
+              <a:t>22.12.2021</a:t>
             </a:fld>
             <a:endParaRPr lang="ru-RU"/>
           </a:p>
@@ -659,7 +659,7 @@
           <a:p>
             <a:fld id="{70C218FB-290C-4A3E-B540-445370424DAE}" type="datetimeFigureOut">
               <a:rPr lang="ru-RU" smtClean="0"/>
-              <a:t>16.12.2021</a:t>
+              <a:t>22.12.2021</a:t>
             </a:fld>
             <a:endParaRPr lang="ru-RU"/>
           </a:p>
@@ -1060,7 +1060,7 @@
           <a:p>
             <a:fld id="{70C218FB-290C-4A3E-B540-445370424DAE}" type="datetimeFigureOut">
               <a:rPr lang="ru-RU" smtClean="0"/>
-              <a:t>16.12.2021</a:t>
+              <a:t>22.12.2021</a:t>
             </a:fld>
             <a:endParaRPr lang="ru-RU"/>
           </a:p>
@@ -1396,7 +1396,7 @@
           <a:p>
             <a:fld id="{70C218FB-290C-4A3E-B540-445370424DAE}" type="datetimeFigureOut">
               <a:rPr lang="ru-RU" smtClean="0"/>
-              <a:t>16.12.2021</a:t>
+              <a:t>22.12.2021</a:t>
             </a:fld>
             <a:endParaRPr lang="ru-RU"/>
           </a:p>
@@ -1716,7 +1716,7 @@
           <a:p>
             <a:fld id="{70C218FB-290C-4A3E-B540-445370424DAE}" type="datetimeFigureOut">
               <a:rPr lang="ru-RU" smtClean="0"/>
-              <a:t>16.12.2021</a:t>
+              <a:t>22.12.2021</a:t>
             </a:fld>
             <a:endParaRPr lang="ru-RU"/>
           </a:p>
@@ -2112,7 +2112,7 @@
           <a:p>
             <a:fld id="{70C218FB-290C-4A3E-B540-445370424DAE}" type="datetimeFigureOut">
               <a:rPr lang="ru-RU" smtClean="0"/>
-              <a:t>16.12.2021</a:t>
+              <a:t>22.12.2021</a:t>
             </a:fld>
             <a:endParaRPr lang="ru-RU"/>
           </a:p>
@@ -2369,7 +2369,7 @@
           <a:p>
             <a:fld id="{70C218FB-290C-4A3E-B540-445370424DAE}" type="datetimeFigureOut">
               <a:rPr lang="ru-RU" smtClean="0"/>
-              <a:t>16.12.2021</a:t>
+              <a:t>22.12.2021</a:t>
             </a:fld>
             <a:endParaRPr lang="ru-RU"/>
           </a:p>
@@ -2631,7 +2631,7 @@
           <a:p>
             <a:fld id="{70C218FB-290C-4A3E-B540-445370424DAE}" type="datetimeFigureOut">
               <a:rPr lang="ru-RU" smtClean="0"/>
-              <a:t>16.12.2021</a:t>
+              <a:t>22.12.2021</a:t>
             </a:fld>
             <a:endParaRPr lang="ru-RU"/>
           </a:p>
@@ -2893,7 +2893,7 @@
           <a:p>
             <a:fld id="{70C218FB-290C-4A3E-B540-445370424DAE}" type="datetimeFigureOut">
               <a:rPr lang="ru-RU" smtClean="0"/>
-              <a:t>16.12.2021</a:t>
+              <a:t>22.12.2021</a:t>
             </a:fld>
             <a:endParaRPr lang="ru-RU"/>
           </a:p>
@@ -3222,7 +3222,7 @@
           <a:p>
             <a:fld id="{70C218FB-290C-4A3E-B540-445370424DAE}" type="datetimeFigureOut">
               <a:rPr lang="ru-RU" smtClean="0"/>
-              <a:t>16.12.2021</a:t>
+              <a:t>22.12.2021</a:t>
             </a:fld>
             <a:endParaRPr lang="ru-RU"/>
           </a:p>
@@ -3545,7 +3545,7 @@
           <a:p>
             <a:fld id="{70C218FB-290C-4A3E-B540-445370424DAE}" type="datetimeFigureOut">
               <a:rPr lang="ru-RU" smtClean="0"/>
-              <a:t>16.12.2021</a:t>
+              <a:t>22.12.2021</a:t>
             </a:fld>
             <a:endParaRPr lang="ru-RU"/>
           </a:p>
@@ -4002,7 +4002,7 @@
           <a:p>
             <a:fld id="{70C218FB-290C-4A3E-B540-445370424DAE}" type="datetimeFigureOut">
               <a:rPr lang="ru-RU" smtClean="0"/>
-              <a:t>16.12.2021</a:t>
+              <a:t>22.12.2021</a:t>
             </a:fld>
             <a:endParaRPr lang="ru-RU"/>
           </a:p>
@@ -4207,7 +4207,7 @@
           <a:p>
             <a:fld id="{70C218FB-290C-4A3E-B540-445370424DAE}" type="datetimeFigureOut">
               <a:rPr lang="ru-RU" smtClean="0"/>
-              <a:t>16.12.2021</a:t>
+              <a:t>22.12.2021</a:t>
             </a:fld>
             <a:endParaRPr lang="ru-RU"/>
           </a:p>
@@ -4384,7 +4384,7 @@
           <a:p>
             <a:fld id="{70C218FB-290C-4A3E-B540-445370424DAE}" type="datetimeFigureOut">
               <a:rPr lang="ru-RU" smtClean="0"/>
-              <a:t>16.12.2021</a:t>
+              <a:t>22.12.2021</a:t>
             </a:fld>
             <a:endParaRPr lang="ru-RU"/>
           </a:p>
@@ -4717,7 +4717,7 @@
           <a:p>
             <a:fld id="{70C218FB-290C-4A3E-B540-445370424DAE}" type="datetimeFigureOut">
               <a:rPr lang="ru-RU" smtClean="0"/>
-              <a:t>16.12.2021</a:t>
+              <a:t>22.12.2021</a:t>
             </a:fld>
             <a:endParaRPr lang="ru-RU"/>
           </a:p>
@@ -5062,7 +5062,7 @@
           <a:p>
             <a:fld id="{70C218FB-290C-4A3E-B540-445370424DAE}" type="datetimeFigureOut">
               <a:rPr lang="ru-RU" smtClean="0"/>
-              <a:t>16.12.2021</a:t>
+              <a:t>22.12.2021</a:t>
             </a:fld>
             <a:endParaRPr lang="ru-RU"/>
           </a:p>
@@ -7179,7 +7179,7 @@
           <a:p>
             <a:fld id="{70C218FB-290C-4A3E-B540-445370424DAE}" type="datetimeFigureOut">
               <a:rPr lang="ru-RU" smtClean="0"/>
-              <a:t>16.12.2021</a:t>
+              <a:t>22.12.2021</a:t>
             </a:fld>
             <a:endParaRPr lang="ru-RU"/>
           </a:p>
@@ -14020,7 +14020,7 @@
         <p:spPr>
           <a:xfrm>
             <a:off x="2455548" y="5736304"/>
-            <a:ext cx="7098482" cy="646331"/>
+            <a:ext cx="8433719" cy="646331"/>
           </a:xfrm>
           <a:prstGeom prst="rect">
             <a:avLst/>
@@ -14060,12 +14060,8 @@
               <a:t>to trusted on DB and dropped table </a:t>
             </a:r>
             <a:r>
-              <a:rPr lang="en-US" dirty="0" err="1" smtClean="0"/>
-              <a:t>againg</a:t>
-            </a:r>
-            <a:r>
-              <a:rPr lang="en-US" dirty="0" smtClean="0"/>
-              <a:t> </a:t>
+              <a:rPr lang="en-US" dirty="0" smtClean="0"/>
+              <a:t>again </a:t>
             </a:r>
             <a:r>
               <a:rPr lang="en-US" dirty="0" smtClean="0">
@@ -14151,7 +14147,7 @@
         <p:spPr>
           <a:xfrm>
             <a:off x="881983" y="475311"/>
-            <a:ext cx="10991569" cy="6494085"/>
+            <a:ext cx="10991569" cy="6001643"/>
           </a:xfrm>
           <a:prstGeom prst="rect">
             <a:avLst/>
@@ -14198,22 +14194,13 @@
             </a:r>
             <a:r>
               <a:rPr lang="en-US" sz="1600" dirty="0" smtClean="0"/>
-              <a:t> using Windows 10 1809 build and it don’t support Docker host and WSL. Vagrant in virtual box mode. I hate </a:t>
-            </a:r>
-          </a:p>
-          <a:p>
+              <a:t> using Windows 10 1809 build and it don’t support Docker host and WSL. Vagrant in virtual box </a:t>
+            </a:r>
             <a:r>
               <a:rPr lang="en-US" sz="1600" dirty="0" smtClean="0"/>
-              <a:t>Windows 10 builds &gt; 1900 because its have many problems with old programs and some </a:t>
-            </a:r>
-            <a:r>
-              <a:rPr lang="en-US" sz="1600" dirty="0"/>
-              <a:t>unsupported </a:t>
-            </a:r>
-            <a:r>
-              <a:rPr lang="en-US" sz="1600" dirty="0" smtClean="0"/>
-              <a:t> drivers</a:t>
-            </a:r>
+              <a:t>mode</a:t>
+            </a:r>
+            <a:endParaRPr lang="ru-RU" sz="1600" dirty="0" smtClean="0"/>
           </a:p>
           <a:p>
             <a:endParaRPr lang="en-US" sz="1600" dirty="0"/>
@@ -14248,11 +14235,13 @@
               <a:rPr lang="en-US" sz="1600" dirty="0" smtClean="0"/>
               <a:t>For deployment easier to see all command in configurations in one file. If I will open notepad+ with 100500 tabs its </a:t>
             </a:r>
-          </a:p>
-          <a:p>
             <a:r>
               <a:rPr lang="en-US" sz="1600" dirty="0" smtClean="0"/>
-              <a:t>much more difficult to understand problems. Of</a:t>
+              <a:t>much </a:t>
+            </a:r>
+            <a:r>
+              <a:rPr lang="en-US" sz="1600" dirty="0" smtClean="0"/>
+              <a:t>more difficult to understand problems. Of</a:t>
             </a:r>
             <a:r>
               <a:rPr lang="ru-RU" sz="1600" dirty="0" smtClean="0"/>
@@ -14268,8 +14257,29 @@
             </a:r>
             <a:r>
               <a:rPr lang="en-US" sz="1600" dirty="0" smtClean="0"/>
-              <a:t> files.</a:t>
-            </a:r>
+              <a:t> </a:t>
+            </a:r>
+            <a:r>
+              <a:rPr lang="en-US" sz="1600" dirty="0" smtClean="0"/>
+              <a:t>files</a:t>
+            </a:r>
+            <a:r>
+              <a:rPr lang="ru-RU" sz="1600" dirty="0" smtClean="0"/>
+              <a:t> </a:t>
+            </a:r>
+            <a:r>
+              <a:rPr lang="en-US" sz="1600" dirty="0" smtClean="0"/>
+              <a:t>and its good </a:t>
+            </a:r>
+            <a:r>
+              <a:rPr lang="en-US" sz="1600" dirty="0" err="1" smtClean="0"/>
+              <a:t>practise</a:t>
+            </a:r>
+            <a:r>
+              <a:rPr lang="en-US" sz="1600" dirty="0" smtClean="0"/>
+              <a:t>.</a:t>
+            </a:r>
+            <a:endParaRPr lang="en-US" sz="1600" dirty="0" smtClean="0"/>
           </a:p>
           <a:p>
             <a:endParaRPr lang="en-US" sz="1600" dirty="0"/>
@@ -14557,7 +14567,7 @@
         <p:spPr>
           <a:xfrm>
             <a:off x="928048" y="736980"/>
-            <a:ext cx="9376012" cy="2308324"/>
+            <a:ext cx="9376012" cy="2862322"/>
           </a:xfrm>
           <a:prstGeom prst="rect">
             <a:avLst/>
@@ -14647,7 +14657,29 @@
           <a:p>
             <a:r>
               <a:rPr lang="en-US" dirty="0"/>
-              <a:t>Will be here https://github.com/runalsh/for_epam</a:t>
+              <a:t>Will be here </a:t>
+            </a:r>
+            <a:r>
+              <a:rPr lang="en-US" dirty="0">
+                <a:hlinkClick r:id="rId2"/>
+              </a:rPr>
+              <a:t>https://</a:t>
+            </a:r>
+            <a:r>
+              <a:rPr lang="en-US" dirty="0" smtClean="0">
+                <a:hlinkClick r:id="rId2"/>
+              </a:rPr>
+              <a:t>github.com/runalsh/for_epam</a:t>
+            </a:r>
+            <a:endParaRPr lang="en-US" dirty="0" smtClean="0"/>
+          </a:p>
+          <a:p>
+            <a:endParaRPr lang="en-US" dirty="0"/>
+          </a:p>
+          <a:p>
+            <a:r>
+              <a:rPr lang="en-US" dirty="0" smtClean="0"/>
+              <a:t>7.</a:t>
             </a:r>
             <a:endParaRPr lang="ru-RU" dirty="0"/>
           </a:p>
@@ -17789,11 +17821,7 @@
           <a:p>
             <a:r>
               <a:rPr lang="en-US" dirty="0" smtClean="0"/>
-              <a:t>forward </a:t>
-            </a:r>
-            <a:r>
-              <a:rPr lang="en-US" dirty="0" smtClean="0"/>
-              <a:t>traffic from </a:t>
+              <a:t>forward traffic from </a:t>
             </a:r>
           </a:p>
           <a:p>

--- a/ilnursh.pptx
+++ b/ilnursh.pptx
@@ -321,7 +321,7 @@
           <a:p>
             <a:fld id="{70C218FB-290C-4A3E-B540-445370424DAE}" type="datetimeFigureOut">
               <a:rPr lang="ru-RU" smtClean="0"/>
-              <a:t>22.12.2021</a:t>
+              <a:t>23.12.2021</a:t>
             </a:fld>
             <a:endParaRPr lang="ru-RU"/>
           </a:p>
@@ -659,7 +659,7 @@
           <a:p>
             <a:fld id="{70C218FB-290C-4A3E-B540-445370424DAE}" type="datetimeFigureOut">
               <a:rPr lang="ru-RU" smtClean="0"/>
-              <a:t>22.12.2021</a:t>
+              <a:t>23.12.2021</a:t>
             </a:fld>
             <a:endParaRPr lang="ru-RU"/>
           </a:p>
@@ -1060,7 +1060,7 @@
           <a:p>
             <a:fld id="{70C218FB-290C-4A3E-B540-445370424DAE}" type="datetimeFigureOut">
               <a:rPr lang="ru-RU" smtClean="0"/>
-              <a:t>22.12.2021</a:t>
+              <a:t>23.12.2021</a:t>
             </a:fld>
             <a:endParaRPr lang="ru-RU"/>
           </a:p>
@@ -1396,7 +1396,7 @@
           <a:p>
             <a:fld id="{70C218FB-290C-4A3E-B540-445370424DAE}" type="datetimeFigureOut">
               <a:rPr lang="ru-RU" smtClean="0"/>
-              <a:t>22.12.2021</a:t>
+              <a:t>23.12.2021</a:t>
             </a:fld>
             <a:endParaRPr lang="ru-RU"/>
           </a:p>
@@ -1716,7 +1716,7 @@
           <a:p>
             <a:fld id="{70C218FB-290C-4A3E-B540-445370424DAE}" type="datetimeFigureOut">
               <a:rPr lang="ru-RU" smtClean="0"/>
-              <a:t>22.12.2021</a:t>
+              <a:t>23.12.2021</a:t>
             </a:fld>
             <a:endParaRPr lang="ru-RU"/>
           </a:p>
@@ -2112,7 +2112,7 @@
           <a:p>
             <a:fld id="{70C218FB-290C-4A3E-B540-445370424DAE}" type="datetimeFigureOut">
               <a:rPr lang="ru-RU" smtClean="0"/>
-              <a:t>22.12.2021</a:t>
+              <a:t>23.12.2021</a:t>
             </a:fld>
             <a:endParaRPr lang="ru-RU"/>
           </a:p>
@@ -2369,7 +2369,7 @@
           <a:p>
             <a:fld id="{70C218FB-290C-4A3E-B540-445370424DAE}" type="datetimeFigureOut">
               <a:rPr lang="ru-RU" smtClean="0"/>
-              <a:t>22.12.2021</a:t>
+              <a:t>23.12.2021</a:t>
             </a:fld>
             <a:endParaRPr lang="ru-RU"/>
           </a:p>
@@ -2631,7 +2631,7 @@
           <a:p>
             <a:fld id="{70C218FB-290C-4A3E-B540-445370424DAE}" type="datetimeFigureOut">
               <a:rPr lang="ru-RU" smtClean="0"/>
-              <a:t>22.12.2021</a:t>
+              <a:t>23.12.2021</a:t>
             </a:fld>
             <a:endParaRPr lang="ru-RU"/>
           </a:p>
@@ -2893,7 +2893,7 @@
           <a:p>
             <a:fld id="{70C218FB-290C-4A3E-B540-445370424DAE}" type="datetimeFigureOut">
               <a:rPr lang="ru-RU" smtClean="0"/>
-              <a:t>22.12.2021</a:t>
+              <a:t>23.12.2021</a:t>
             </a:fld>
             <a:endParaRPr lang="ru-RU"/>
           </a:p>
@@ -3222,7 +3222,7 @@
           <a:p>
             <a:fld id="{70C218FB-290C-4A3E-B540-445370424DAE}" type="datetimeFigureOut">
               <a:rPr lang="ru-RU" smtClean="0"/>
-              <a:t>22.12.2021</a:t>
+              <a:t>23.12.2021</a:t>
             </a:fld>
             <a:endParaRPr lang="ru-RU"/>
           </a:p>
@@ -3545,7 +3545,7 @@
           <a:p>
             <a:fld id="{70C218FB-290C-4A3E-B540-445370424DAE}" type="datetimeFigureOut">
               <a:rPr lang="ru-RU" smtClean="0"/>
-              <a:t>22.12.2021</a:t>
+              <a:t>23.12.2021</a:t>
             </a:fld>
             <a:endParaRPr lang="ru-RU"/>
           </a:p>
@@ -4002,7 +4002,7 @@
           <a:p>
             <a:fld id="{70C218FB-290C-4A3E-B540-445370424DAE}" type="datetimeFigureOut">
               <a:rPr lang="ru-RU" smtClean="0"/>
-              <a:t>22.12.2021</a:t>
+              <a:t>23.12.2021</a:t>
             </a:fld>
             <a:endParaRPr lang="ru-RU"/>
           </a:p>
@@ -4207,7 +4207,7 @@
           <a:p>
             <a:fld id="{70C218FB-290C-4A3E-B540-445370424DAE}" type="datetimeFigureOut">
               <a:rPr lang="ru-RU" smtClean="0"/>
-              <a:t>22.12.2021</a:t>
+              <a:t>23.12.2021</a:t>
             </a:fld>
             <a:endParaRPr lang="ru-RU"/>
           </a:p>
@@ -4384,7 +4384,7 @@
           <a:p>
             <a:fld id="{70C218FB-290C-4A3E-B540-445370424DAE}" type="datetimeFigureOut">
               <a:rPr lang="ru-RU" smtClean="0"/>
-              <a:t>22.12.2021</a:t>
+              <a:t>23.12.2021</a:t>
             </a:fld>
             <a:endParaRPr lang="ru-RU"/>
           </a:p>
@@ -4717,7 +4717,7 @@
           <a:p>
             <a:fld id="{70C218FB-290C-4A3E-B540-445370424DAE}" type="datetimeFigureOut">
               <a:rPr lang="ru-RU" smtClean="0"/>
-              <a:t>22.12.2021</a:t>
+              <a:t>23.12.2021</a:t>
             </a:fld>
             <a:endParaRPr lang="ru-RU"/>
           </a:p>
@@ -5062,7 +5062,7 @@
           <a:p>
             <a:fld id="{70C218FB-290C-4A3E-B540-445370424DAE}" type="datetimeFigureOut">
               <a:rPr lang="ru-RU" smtClean="0"/>
-              <a:t>22.12.2021</a:t>
+              <a:t>23.12.2021</a:t>
             </a:fld>
             <a:endParaRPr lang="ru-RU"/>
           </a:p>
@@ -7179,7 +7179,7 @@
           <a:p>
             <a:fld id="{70C218FB-290C-4A3E-B540-445370424DAE}" type="datetimeFigureOut">
               <a:rPr lang="ru-RU" smtClean="0"/>
-              <a:t>22.12.2021</a:t>
+              <a:t>23.12.2021</a:t>
             </a:fld>
             <a:endParaRPr lang="ru-RU"/>
           </a:p>
@@ -14057,11 +14057,7 @@
             </a:r>
             <a:r>
               <a:rPr lang="en-US" dirty="0" smtClean="0"/>
-              <a:t>to trusted on DB and dropped table </a:t>
-            </a:r>
-            <a:r>
-              <a:rPr lang="en-US" dirty="0" smtClean="0"/>
-              <a:t>again </a:t>
+              <a:t>to trusted on DB and dropped table again </a:t>
             </a:r>
             <a:r>
               <a:rPr lang="en-US" dirty="0" smtClean="0">
@@ -14194,11 +14190,7 @@
             </a:r>
             <a:r>
               <a:rPr lang="en-US" sz="1600" dirty="0" smtClean="0"/>
-              <a:t> using Windows 10 1809 build and it don’t support Docker host and WSL. Vagrant in virtual box </a:t>
-            </a:r>
-            <a:r>
-              <a:rPr lang="en-US" sz="1600" dirty="0" smtClean="0"/>
-              <a:t>mode</a:t>
+              <a:t> using Windows 10 1809 build and it don’t support Docker host and WSL. Vagrant in virtual box mode</a:t>
             </a:r>
             <a:endParaRPr lang="ru-RU" sz="1600" dirty="0" smtClean="0"/>
           </a:p>
@@ -14233,15 +14225,7 @@
           <a:p>
             <a:r>
               <a:rPr lang="en-US" sz="1600" dirty="0" smtClean="0"/>
-              <a:t>For deployment easier to see all command in configurations in one file. If I will open notepad+ with 100500 tabs its </a:t>
-            </a:r>
-            <a:r>
-              <a:rPr lang="en-US" sz="1600" dirty="0" smtClean="0"/>
-              <a:t>much </a:t>
-            </a:r>
-            <a:r>
-              <a:rPr lang="en-US" sz="1600" dirty="0" smtClean="0"/>
-              <a:t>more difficult to understand problems. Of</a:t>
+              <a:t>For deployment easier to see all command in configurations in one file. If I will open notepad+ with 100500 tabs its much more difficult to understand problems. Of</a:t>
             </a:r>
             <a:r>
               <a:rPr lang="ru-RU" sz="1600" dirty="0" smtClean="0"/>
@@ -14257,11 +14241,7 @@
             </a:r>
             <a:r>
               <a:rPr lang="en-US" sz="1600" dirty="0" smtClean="0"/>
-              <a:t> </a:t>
-            </a:r>
-            <a:r>
-              <a:rPr lang="en-US" sz="1600" dirty="0" smtClean="0"/>
-              <a:t>files</a:t>
+              <a:t> files</a:t>
             </a:r>
             <a:r>
               <a:rPr lang="ru-RU" sz="1600" dirty="0" smtClean="0"/>
@@ -14279,7 +14259,6 @@
               <a:rPr lang="en-US" sz="1600" dirty="0" smtClean="0"/>
               <a:t>.</a:t>
             </a:r>
-            <a:endParaRPr lang="en-US" sz="1600" dirty="0" smtClean="0"/>
           </a:p>
           <a:p>
             <a:endParaRPr lang="en-US" sz="1600" dirty="0"/>
@@ -14536,7 +14515,7 @@
         </p:nvSpPr>
         <p:spPr>
           <a:xfrm>
-            <a:off x="5145206" y="3930555"/>
+            <a:off x="5022376" y="4435522"/>
             <a:ext cx="1556901" cy="369332"/>
           </a:xfrm>
           <a:prstGeom prst="rect">
@@ -14567,7 +14546,7 @@
         <p:spPr>
           <a:xfrm>
             <a:off x="928048" y="736980"/>
-            <a:ext cx="9376012" cy="2862322"/>
+            <a:ext cx="9376012" cy="3416320"/>
           </a:xfrm>
           <a:prstGeom prst="rect">
             <a:avLst/>
@@ -14678,8 +14657,42 @@
           </a:p>
           <a:p>
             <a:r>
-              <a:rPr lang="en-US" dirty="0" smtClean="0"/>
-              <a:t>7.</a:t>
+              <a:rPr lang="en-US" b="1" dirty="0" smtClean="0"/>
+              <a:t>7</a:t>
+            </a:r>
+            <a:r>
+              <a:rPr lang="en-US" b="1" dirty="0" smtClean="0"/>
+              <a:t>. When you started learning and project?</a:t>
+            </a:r>
+          </a:p>
+          <a:p>
+            <a:r>
+              <a:rPr lang="en-US" dirty="0" err="1" smtClean="0"/>
+              <a:t>Im</a:t>
+            </a:r>
+            <a:r>
+              <a:rPr lang="en-US" dirty="0" smtClean="0"/>
+              <a:t> registered at 16 </a:t>
+            </a:r>
+            <a:r>
+              <a:rPr lang="en-US" dirty="0" err="1" smtClean="0"/>
+              <a:t>october</a:t>
+            </a:r>
+            <a:r>
+              <a:rPr lang="en-US" dirty="0" smtClean="0"/>
+              <a:t>, started learning 25 </a:t>
+            </a:r>
+            <a:r>
+              <a:rPr lang="en-US" dirty="0" err="1" smtClean="0"/>
+              <a:t>october</a:t>
+            </a:r>
+            <a:r>
+              <a:rPr lang="en-US" dirty="0" smtClean="0"/>
+              <a:t>, and project from 15 </a:t>
+            </a:r>
+            <a:r>
+              <a:rPr lang="en-US" dirty="0" err="1" smtClean="0"/>
+              <a:t>november</a:t>
             </a:r>
             <a:endParaRPr lang="ru-RU" dirty="0"/>
           </a:p>
